--- a/tutorial37.pptx
+++ b/tutorial37.pptx
@@ -8657,7 +8657,7 @@
       </p:grpSpPr>
       <p:sp>
         <p:nvSpPr>
-          <p:cNvPr id="95" name="Freeform: Shape 94">
+          <p:cNvPr id="116" name="Freeform: Shape 115">
             <a:extLst>
               <a:ext uri="{FF2B5EF4-FFF2-40B4-BE49-F238E27FC236}">
                 <a16:creationId xmlns:a16="http://schemas.microsoft.com/office/drawing/2014/main" id="{82184FF4-7029-4ED7-813A-192E60608764}"/>
@@ -8801,7 +8801,7 @@
       </p:sp>
       <p:sp>
         <p:nvSpPr>
-          <p:cNvPr id="97" name="Oval 96">
+          <p:cNvPr id="118" name="Oval 117">
             <a:extLst>
               <a:ext uri="{FF2B5EF4-FFF2-40B4-BE49-F238E27FC236}">
                 <a16:creationId xmlns:a16="http://schemas.microsoft.com/office/drawing/2014/main" id="{AAA7AB09-557C-41AD-9113-FF9F68FA1035}"/>
@@ -8892,7 +8892,7 @@
       </p:sp>
       <p:sp>
         <p:nvSpPr>
-          <p:cNvPr id="99" name="Oval 98">
+          <p:cNvPr id="120" name="Oval 119">
             <a:extLst>
               <a:ext uri="{FF2B5EF4-FFF2-40B4-BE49-F238E27FC236}">
                 <a16:creationId xmlns:a16="http://schemas.microsoft.com/office/drawing/2014/main" id="{EF99ECAA-1F11-4937-BBA6-51935AB44C9D}"/>
@@ -8984,7 +8984,7 @@
       </p:sp>
       <p:grpSp>
         <p:nvGrpSpPr>
-          <p:cNvPr id="101" name="Group 100">
+          <p:cNvPr id="122" name="Group 121">
             <a:extLst>
               <a:ext uri="{FF2B5EF4-FFF2-40B4-BE49-F238E27FC236}">
                 <a16:creationId xmlns:a16="http://schemas.microsoft.com/office/drawing/2014/main" id="{79DE9FAB-6BBA-4CFE-B67D-77B47F01ECA4}"/>
@@ -9015,7 +9015,7 @@
         </p:grpSpPr>
         <p:sp>
           <p:nvSpPr>
-            <p:cNvPr id="102" name="Freeform: Shape 101">
+            <p:cNvPr id="123" name="Freeform: Shape 122">
               <a:extLst>
                 <a:ext uri="{FF2B5EF4-FFF2-40B4-BE49-F238E27FC236}">
                   <a16:creationId xmlns:a16="http://schemas.microsoft.com/office/drawing/2014/main" id="{79FAC916-D9BB-4794-81B4-7C47C67E850D}"/>
@@ -9162,7 +9162,7 @@
         </p:sp>
         <p:sp>
           <p:nvSpPr>
-            <p:cNvPr id="103" name="Freeform: Shape 102">
+            <p:cNvPr id="124" name="Freeform: Shape 123">
               <a:extLst>
                 <a:ext uri="{FF2B5EF4-FFF2-40B4-BE49-F238E27FC236}">
                   <a16:creationId xmlns:a16="http://schemas.microsoft.com/office/drawing/2014/main" id="{B5CA2231-7A65-4D16-8400-A210CC41DB73}"/>
@@ -9311,7 +9311,7 @@
         </p:sp>
         <p:sp>
           <p:nvSpPr>
-            <p:cNvPr id="104" name="Oval 103">
+            <p:cNvPr id="125" name="Oval 124">
               <a:extLst>
                 <a:ext uri="{FF2B5EF4-FFF2-40B4-BE49-F238E27FC236}">
                   <a16:creationId xmlns:a16="http://schemas.microsoft.com/office/drawing/2014/main" id="{4B089C8C-B82B-4704-88E2-E857A5E21529}"/>
@@ -9389,7 +9389,7 @@
         </p:sp>
         <p:sp>
           <p:nvSpPr>
-            <p:cNvPr id="105" name="Oval 104">
+            <p:cNvPr id="126" name="Oval 125">
               <a:extLst>
                 <a:ext uri="{FF2B5EF4-FFF2-40B4-BE49-F238E27FC236}">
                   <a16:creationId xmlns:a16="http://schemas.microsoft.com/office/drawing/2014/main" id="{434B90C8-5B4D-456E-AD99-80EF748FDD72}"/>
@@ -9468,7 +9468,7 @@
       </p:grpSp>
       <p:sp useBgFill="1">
         <p:nvSpPr>
-          <p:cNvPr id="107" name="Rectangle 106">
+          <p:cNvPr id="128" name="Rectangle 127">
             <a:extLst>
               <a:ext uri="{FF2B5EF4-FFF2-40B4-BE49-F238E27FC236}">
                 <a16:creationId xmlns:a16="http://schemas.microsoft.com/office/drawing/2014/main" id="{1DB043B4-68C6-45B9-82AC-A5800EADB8DB}"/>
@@ -9544,49 +9544,10 @@
       </p:sp>
       <p:sp>
         <p:nvSpPr>
-          <p:cNvPr id="7" name="Title 6">
+          <p:cNvPr id="130" name="Oval 129">
             <a:extLst>
               <a:ext uri="{FF2B5EF4-FFF2-40B4-BE49-F238E27FC236}">
-                <a16:creationId xmlns:a16="http://schemas.microsoft.com/office/drawing/2014/main" id="{5BFD82EF-2B14-B44B-BE71-9C4ED1A1DF98}"/>
-              </a:ext>
-            </a:extLst>
-          </p:cNvPr>
-          <p:cNvSpPr>
-            <a:spLocks noGrp="1"/>
-          </p:cNvSpPr>
-          <p:nvPr>
-            <p:ph type="title"/>
-          </p:nvPr>
-        </p:nvSpPr>
-        <p:spPr>
-          <a:xfrm>
-            <a:off x="550864" y="549275"/>
-            <a:ext cx="6373812" cy="984885"/>
-          </a:xfrm>
-        </p:spPr>
-        <p:txBody>
-          <a:bodyPr vert="horz" wrap="square" lIns="0" tIns="0" rIns="0" bIns="0" rtlCol="0" anchor="ctr" anchorCtr="0">
-            <a:normAutofit fontScale="90000"/>
-          </a:bodyPr>
-          <a:lstStyle/>
-          <a:p>
-            <a:r>
-              <a:rPr lang="en-DE" sz="2800" dirty="0"/>
-              <a:t>How To launch aws ec2 insatance from csv input using boto3 python</a:t>
-            </a:r>
-            <a:br>
-              <a:rPr lang="en-US" sz="2600" dirty="0"/>
-            </a:br>
-            <a:endParaRPr lang="en-US" sz="2600" dirty="0"/>
-          </a:p>
-        </p:txBody>
-      </p:sp>
-      <p:sp>
-        <p:nvSpPr>
-          <p:cNvPr id="109" name="Rectangle 108">
-            <a:extLst>
-              <a:ext uri="{FF2B5EF4-FFF2-40B4-BE49-F238E27FC236}">
-                <a16:creationId xmlns:a16="http://schemas.microsoft.com/office/drawing/2014/main" id="{31ACE9CC-FA52-49A8-A8CB-4C6772C48157}"/>
+                <a16:creationId xmlns:a16="http://schemas.microsoft.com/office/drawing/2014/main" id="{28A00A08-E4E6-4184-B484-E0E034072AE0}"/>
               </a:ext>
               <a:ext uri="{C183D7F6-B498-43B3-948B-1728B52AA6E4}">
                 <adec:decorative xmlns:adec="http://schemas.microsoft.com/office/drawing/2017/decorative" val="1"/>
@@ -9606,22 +9567,42 @@
         </p:nvSpPr>
         <p:spPr>
           <a:xfrm>
-            <a:off x="0" y="2083434"/>
-            <a:ext cx="12192000" cy="4774566"/>
+            <a:off x="281171" y="1388266"/>
+            <a:ext cx="360000" cy="360000"/>
           </a:xfrm>
-          <a:prstGeom prst="rect">
+          <a:prstGeom prst="ellipse">
             <a:avLst/>
           </a:prstGeom>
-          <a:solidFill>
-            <a:schemeClr val="bg2">
-              <a:lumMod val="50000"/>
-              <a:lumOff val="50000"/>
-              <a:alpha val="5000"/>
-            </a:schemeClr>
-          </a:solidFill>
+          <a:gradFill flip="none" rotWithShape="1">
+            <a:gsLst>
+              <a:gs pos="100000">
+                <a:schemeClr val="bg2">
+                  <a:lumMod val="50000"/>
+                  <a:lumOff val="50000"/>
+                </a:schemeClr>
+              </a:gs>
+              <a:gs pos="60000">
+                <a:schemeClr val="bg2"/>
+              </a:gs>
+            </a:gsLst>
+            <a:path path="circle">
+              <a:fillToRect l="100000" b="100000"/>
+            </a:path>
+            <a:tileRect t="-100000" r="-100000"/>
+          </a:gradFill>
           <a:ln>
             <a:noFill/>
           </a:ln>
+          <a:effectLst>
+            <a:innerShdw blurRad="127000" dist="63500" dir="2700000">
+              <a:schemeClr val="accent1">
+                <a:lumMod val="60000"/>
+                <a:lumOff val="40000"/>
+                <a:alpha val="20000"/>
+              </a:schemeClr>
+            </a:innerShdw>
+            <a:softEdge rad="0"/>
+          </a:effectLst>
         </p:spPr>
         <p:style>
           <a:lnRef idx="2">
@@ -9640,7 +9621,12 @@
           </a:fontRef>
         </p:style>
         <p:txBody>
-          <a:bodyPr rtlCol="0" anchor="ctr"/>
+          <a:bodyPr rot="0" spcFirstLastPara="0" vertOverflow="overflow" horzOverflow="overflow" vert="horz" wrap="square" lIns="91440" tIns="45720" rIns="91440" bIns="45720" numCol="1" spcCol="0" rtlCol="0" fromWordArt="0" anchor="ctr" anchorCtr="0" forceAA="0" compatLnSpc="1">
+            <a:prstTxWarp prst="textNoShape">
+              <a:avLst/>
+            </a:prstTxWarp>
+            <a:noAutofit/>
+          </a:bodyPr>
           <a:lstStyle/>
           <a:p>
             <a:pPr algn="ctr"/>
@@ -9648,21 +9634,21 @@
           </a:p>
         </p:txBody>
       </p:sp>
-      <p:sp>
-        <p:nvSpPr>
-          <p:cNvPr id="111" name="Rectangle 110">
+      <p:grpSp>
+        <p:nvGrpSpPr>
+          <p:cNvPr id="132" name="Group 131">
             <a:extLst>
               <a:ext uri="{FF2B5EF4-FFF2-40B4-BE49-F238E27FC236}">
-                <a16:creationId xmlns:a16="http://schemas.microsoft.com/office/drawing/2014/main" id="{28B56926-F216-4281-9196-1495BD306129}"/>
+                <a16:creationId xmlns:a16="http://schemas.microsoft.com/office/drawing/2014/main" id="{0780E404-3121-4F33-AF2D-65F659A97798}"/>
               </a:ext>
               <a:ext uri="{C183D7F6-B498-43B3-948B-1728B52AA6E4}">
                 <adec:decorative xmlns:adec="http://schemas.microsoft.com/office/drawing/2017/decorative" val="1"/>
               </a:ext>
             </a:extLst>
           </p:cNvPr>
-          <p:cNvSpPr>
-            <a:spLocks noGrp="1" noRot="1" noChangeAspect="1" noMove="1" noResize="1" noEditPoints="1" noAdjustHandles="1" noChangeArrowheads="1" noChangeShapeType="1" noTextEdit="1"/>
-          </p:cNvSpPr>
+          <p:cNvGrpSpPr>
+            <a:grpSpLocks noGrp="1" noUngrp="1" noRot="1" noChangeAspect="1" noMove="1" noResize="1"/>
+          </p:cNvGrpSpPr>
           <p:nvPr>
             <p:extLst>
               <p:ext uri="{386F3935-93C4-4BCD-93E2-E3B085C9AB24}">
@@ -9670,66 +9656,342 @@
               </p:ext>
             </p:extLst>
           </p:nvPr>
-        </p:nvSpPr>
-        <p:spPr>
+        </p:nvGrpSpPr>
+        <p:grpSpPr>
           <a:xfrm>
-            <a:off x="0" y="5773729"/>
-            <a:ext cx="12192000" cy="1084271"/>
+            <a:off x="2727675" y="288981"/>
+            <a:ext cx="1262947" cy="1335600"/>
+            <a:chOff x="2678417" y="2427951"/>
+            <a:chExt cx="1262947" cy="1335600"/>
           </a:xfrm>
-          <a:prstGeom prst="rect">
-            <a:avLst/>
-          </a:prstGeom>
-          <a:gradFill flip="none" rotWithShape="1">
-            <a:gsLst>
-              <a:gs pos="90000">
-                <a:schemeClr val="bg2">
-                  <a:alpha val="60000"/>
+        </p:grpSpPr>
+        <p:sp>
+          <p:nvSpPr>
+            <p:cNvPr id="133" name="Freeform: Shape 132">
+              <a:extLst>
+                <a:ext uri="{FF2B5EF4-FFF2-40B4-BE49-F238E27FC236}">
+                  <a16:creationId xmlns:a16="http://schemas.microsoft.com/office/drawing/2014/main" id="{2339341D-8322-49F1-91DA-6D115CCAE7AB}"/>
+                </a:ext>
+                <a:ext uri="{C183D7F6-B498-43B3-948B-1728B52AA6E4}">
+                  <adec:decorative xmlns:adec="http://schemas.microsoft.com/office/drawing/2017/decorative" val="1"/>
+                </a:ext>
+              </a:extLst>
+            </p:cNvPr>
+            <p:cNvSpPr>
+              <a:spLocks noChangeAspect="1"/>
+            </p:cNvSpPr>
+            <p:nvPr>
+              <p:extLst>
+                <p:ext uri="{386F3935-93C4-4BCD-93E2-E3B085C9AB24}">
+                  <p16:designElem xmlns:p16="http://schemas.microsoft.com/office/powerpoint/2015/main" val="1"/>
+                </p:ext>
+              </p:extLst>
+            </p:nvPr>
+          </p:nvSpPr>
+          <p:spPr>
+            <a:xfrm rot="2700000">
+              <a:off x="2769891" y="2336477"/>
+              <a:ext cx="1080000" cy="1262947"/>
+            </a:xfrm>
+            <a:custGeom>
+              <a:avLst/>
+              <a:gdLst>
+                <a:gd name="connsiteX0" fmla="*/ 540000 w 1080000"/>
+                <a:gd name="connsiteY0" fmla="*/ 0 h 1262947"/>
+                <a:gd name="connsiteX1" fmla="*/ 1080000 w 1080000"/>
+                <a:gd name="connsiteY1" fmla="*/ 931034 h 1262947"/>
+                <a:gd name="connsiteX2" fmla="*/ 1064374 w 1080000"/>
+                <a:gd name="connsiteY2" fmla="*/ 931034 h 1262947"/>
+                <a:gd name="connsiteX3" fmla="*/ 1069029 w 1080000"/>
+                <a:gd name="connsiteY3" fmla="*/ 938533 h 1262947"/>
+                <a:gd name="connsiteX4" fmla="*/ 1080000 w 1080000"/>
+                <a:gd name="connsiteY4" fmla="*/ 992947 h 1262947"/>
+                <a:gd name="connsiteX5" fmla="*/ 540000 w 1080000"/>
+                <a:gd name="connsiteY5" fmla="*/ 1262947 h 1262947"/>
+                <a:gd name="connsiteX6" fmla="*/ 0 w 1080000"/>
+                <a:gd name="connsiteY6" fmla="*/ 992947 h 1262947"/>
+                <a:gd name="connsiteX7" fmla="*/ 10971 w 1080000"/>
+                <a:gd name="connsiteY7" fmla="*/ 938533 h 1262947"/>
+                <a:gd name="connsiteX8" fmla="*/ 15626 w 1080000"/>
+                <a:gd name="connsiteY8" fmla="*/ 931034 h 1262947"/>
+                <a:gd name="connsiteX9" fmla="*/ 0 w 1080000"/>
+                <a:gd name="connsiteY9" fmla="*/ 931034 h 1262947"/>
+                <a:gd name="connsiteX0" fmla="*/ 540000 w 1080000"/>
+                <a:gd name="connsiteY0" fmla="*/ 0 h 1262947"/>
+                <a:gd name="connsiteX1" fmla="*/ 1080000 w 1080000"/>
+                <a:gd name="connsiteY1" fmla="*/ 931034 h 1262947"/>
+                <a:gd name="connsiteX2" fmla="*/ 1064374 w 1080000"/>
+                <a:gd name="connsiteY2" fmla="*/ 931034 h 1262947"/>
+                <a:gd name="connsiteX3" fmla="*/ 1069029 w 1080000"/>
+                <a:gd name="connsiteY3" fmla="*/ 938533 h 1262947"/>
+                <a:gd name="connsiteX4" fmla="*/ 1080000 w 1080000"/>
+                <a:gd name="connsiteY4" fmla="*/ 992947 h 1262947"/>
+                <a:gd name="connsiteX5" fmla="*/ 540000 w 1080000"/>
+                <a:gd name="connsiteY5" fmla="*/ 1262947 h 1262947"/>
+                <a:gd name="connsiteX6" fmla="*/ 0 w 1080000"/>
+                <a:gd name="connsiteY6" fmla="*/ 992947 h 1262947"/>
+                <a:gd name="connsiteX7" fmla="*/ 10971 w 1080000"/>
+                <a:gd name="connsiteY7" fmla="*/ 938533 h 1262947"/>
+                <a:gd name="connsiteX8" fmla="*/ 15626 w 1080000"/>
+                <a:gd name="connsiteY8" fmla="*/ 931034 h 1262947"/>
+                <a:gd name="connsiteX9" fmla="*/ 540000 w 1080000"/>
+                <a:gd name="connsiteY9" fmla="*/ 0 h 1262947"/>
+                <a:gd name="connsiteX0" fmla="*/ 540000 w 1080000"/>
+                <a:gd name="connsiteY0" fmla="*/ 0 h 1262947"/>
+                <a:gd name="connsiteX1" fmla="*/ 1064374 w 1080000"/>
+                <a:gd name="connsiteY1" fmla="*/ 931034 h 1262947"/>
+                <a:gd name="connsiteX2" fmla="*/ 1069029 w 1080000"/>
+                <a:gd name="connsiteY2" fmla="*/ 938533 h 1262947"/>
+                <a:gd name="connsiteX3" fmla="*/ 1080000 w 1080000"/>
+                <a:gd name="connsiteY3" fmla="*/ 992947 h 1262947"/>
+                <a:gd name="connsiteX4" fmla="*/ 540000 w 1080000"/>
+                <a:gd name="connsiteY4" fmla="*/ 1262947 h 1262947"/>
+                <a:gd name="connsiteX5" fmla="*/ 0 w 1080000"/>
+                <a:gd name="connsiteY5" fmla="*/ 992947 h 1262947"/>
+                <a:gd name="connsiteX6" fmla="*/ 10971 w 1080000"/>
+                <a:gd name="connsiteY6" fmla="*/ 938533 h 1262947"/>
+                <a:gd name="connsiteX7" fmla="*/ 15626 w 1080000"/>
+                <a:gd name="connsiteY7" fmla="*/ 931034 h 1262947"/>
+                <a:gd name="connsiteX8" fmla="*/ 540000 w 1080000"/>
+                <a:gd name="connsiteY8" fmla="*/ 0 h 1262947"/>
+              </a:gdLst>
+              <a:ahLst/>
+              <a:cxnLst>
+                <a:cxn ang="0">
+                  <a:pos x="connsiteX0" y="connsiteY0"/>
+                </a:cxn>
+                <a:cxn ang="0">
+                  <a:pos x="connsiteX1" y="connsiteY1"/>
+                </a:cxn>
+                <a:cxn ang="0">
+                  <a:pos x="connsiteX2" y="connsiteY2"/>
+                </a:cxn>
+                <a:cxn ang="0">
+                  <a:pos x="connsiteX3" y="connsiteY3"/>
+                </a:cxn>
+                <a:cxn ang="0">
+                  <a:pos x="connsiteX4" y="connsiteY4"/>
+                </a:cxn>
+                <a:cxn ang="0">
+                  <a:pos x="connsiteX5" y="connsiteY5"/>
+                </a:cxn>
+                <a:cxn ang="0">
+                  <a:pos x="connsiteX6" y="connsiteY6"/>
+                </a:cxn>
+                <a:cxn ang="0">
+                  <a:pos x="connsiteX7" y="connsiteY7"/>
+                </a:cxn>
+                <a:cxn ang="0">
+                  <a:pos x="connsiteX8" y="connsiteY8"/>
+                </a:cxn>
+              </a:cxnLst>
+              <a:rect l="l" t="t" r="r" b="b"/>
+              <a:pathLst>
+                <a:path w="1080000" h="1262947">
+                  <a:moveTo>
+                    <a:pt x="540000" y="0"/>
+                  </a:moveTo>
+                  <a:lnTo>
+                    <a:pt x="1064374" y="931034"/>
+                  </a:lnTo>
+                  <a:lnTo>
+                    <a:pt x="1069029" y="938533"/>
+                  </a:lnTo>
+                  <a:cubicBezTo>
+                    <a:pt x="1076223" y="956109"/>
+                    <a:pt x="1080000" y="974307"/>
+                    <a:pt x="1080000" y="992947"/>
+                  </a:cubicBezTo>
+                  <a:cubicBezTo>
+                    <a:pt x="1080000" y="1142064"/>
+                    <a:pt x="838234" y="1262947"/>
+                    <a:pt x="540000" y="1262947"/>
+                  </a:cubicBezTo>
+                  <a:cubicBezTo>
+                    <a:pt x="241766" y="1262947"/>
+                    <a:pt x="0" y="1142064"/>
+                    <a:pt x="0" y="992947"/>
+                  </a:cubicBezTo>
+                  <a:cubicBezTo>
+                    <a:pt x="0" y="974307"/>
+                    <a:pt x="3778" y="956109"/>
+                    <a:pt x="10971" y="938533"/>
+                  </a:cubicBezTo>
+                  <a:lnTo>
+                    <a:pt x="15626" y="931034"/>
+                  </a:lnTo>
+                  <a:lnTo>
+                    <a:pt x="540000" y="0"/>
+                  </a:lnTo>
+                  <a:close/>
+                </a:path>
+              </a:pathLst>
+            </a:custGeom>
+            <a:gradFill>
+              <a:gsLst>
+                <a:gs pos="60000">
+                  <a:schemeClr val="bg2">
+                    <a:lumMod val="90000"/>
+                    <a:lumOff val="10000"/>
+                  </a:schemeClr>
+                </a:gs>
+                <a:gs pos="30000">
+                  <a:schemeClr val="bg2">
+                    <a:lumMod val="90000"/>
+                    <a:lumOff val="10000"/>
+                  </a:schemeClr>
+                </a:gs>
+                <a:gs pos="40000">
+                  <a:schemeClr val="bg2">
+                    <a:lumMod val="75000"/>
+                    <a:lumOff val="25000"/>
+                  </a:schemeClr>
+                </a:gs>
+                <a:gs pos="100000">
+                  <a:schemeClr val="bg2"/>
+                </a:gs>
+              </a:gsLst>
+              <a:lin ang="600000" scaled="0"/>
+            </a:gradFill>
+            <a:ln>
+              <a:noFill/>
+            </a:ln>
+            <a:effectLst>
+              <a:innerShdw blurRad="254000" dist="101600" dir="2700000">
+                <a:schemeClr val="accent1">
+                  <a:lumMod val="60000"/>
+                  <a:lumOff val="40000"/>
+                  <a:alpha val="40000"/>
                 </a:schemeClr>
-              </a:gs>
-              <a:gs pos="28000">
-                <a:schemeClr val="bg2">
+              </a:innerShdw>
+            </a:effectLst>
+          </p:spPr>
+          <p:style>
+            <a:lnRef idx="2">
+              <a:schemeClr val="accent1">
+                <a:shade val="50000"/>
+              </a:schemeClr>
+            </a:lnRef>
+            <a:fillRef idx="1">
+              <a:schemeClr val="accent1"/>
+            </a:fillRef>
+            <a:effectRef idx="0">
+              <a:schemeClr val="accent1"/>
+            </a:effectRef>
+            <a:fontRef idx="minor">
+              <a:schemeClr val="lt1"/>
+            </a:fontRef>
+          </p:style>
+          <p:txBody>
+            <a:bodyPr rot="0" spcFirstLastPara="0" vertOverflow="overflow" horzOverflow="overflow" vert="horz" wrap="square" lIns="91440" tIns="45720" rIns="91440" bIns="45720" numCol="1" spcCol="0" rtlCol="0" fromWordArt="0" anchor="ctr" anchorCtr="0" forceAA="0" compatLnSpc="1">
+              <a:prstTxWarp prst="textNoShape">
+                <a:avLst/>
+              </a:prstTxWarp>
+              <a:noAutofit/>
+            </a:bodyPr>
+            <a:lstStyle/>
+            <a:p>
+              <a:pPr algn="ctr"/>
+              <a:endParaRPr lang="en-US"/>
+            </a:p>
+          </p:txBody>
+        </p:sp>
+        <p:sp>
+          <p:nvSpPr>
+            <p:cNvPr id="134" name="Oval 133">
+              <a:extLst>
+                <a:ext uri="{FF2B5EF4-FFF2-40B4-BE49-F238E27FC236}">
+                  <a16:creationId xmlns:a16="http://schemas.microsoft.com/office/drawing/2014/main" id="{7EB9DB0E-3B0E-411A-9274-448D565CA491}"/>
+                </a:ext>
+                <a:ext uri="{C183D7F6-B498-43B3-948B-1728B52AA6E4}">
+                  <adec:decorative xmlns:adec="http://schemas.microsoft.com/office/drawing/2017/decorative" val="1"/>
+                </a:ext>
+              </a:extLst>
+            </p:cNvPr>
+            <p:cNvSpPr/>
+            <p:nvPr>
+              <p:extLst>
+                <p:ext uri="{386F3935-93C4-4BCD-93E2-E3B085C9AB24}">
+                  <p16:designElem xmlns:p16="http://schemas.microsoft.com/office/powerpoint/2015/main" val="1"/>
+                </p:ext>
+              </p:extLst>
+            </p:nvPr>
+          </p:nvSpPr>
+          <p:spPr>
+            <a:xfrm rot="8100000">
+              <a:off x="2784291" y="2683551"/>
+              <a:ext cx="540000" cy="1080000"/>
+            </a:xfrm>
+            <a:prstGeom prst="ellipse">
+              <a:avLst/>
+            </a:prstGeom>
+            <a:gradFill>
+              <a:gsLst>
+                <a:gs pos="100000">
+                  <a:schemeClr val="bg2">
+                    <a:lumMod val="90000"/>
+                    <a:lumOff val="10000"/>
+                  </a:schemeClr>
+                </a:gs>
+                <a:gs pos="50000">
+                  <a:schemeClr val="bg2">
+                    <a:lumMod val="95000"/>
+                    <a:lumOff val="5000"/>
+                  </a:schemeClr>
+                </a:gs>
+              </a:gsLst>
+              <a:lin ang="5400000" scaled="0"/>
+            </a:gradFill>
+            <a:ln>
+              <a:noFill/>
+            </a:ln>
+            <a:effectLst>
+              <a:innerShdw blurRad="1270000" dist="2540000">
+                <a:schemeClr val="accent1">
+                  <a:lumMod val="60000"/>
+                  <a:lumOff val="40000"/>
                   <a:alpha val="0"/>
                 </a:schemeClr>
-              </a:gs>
-            </a:gsLst>
-            <a:lin ang="5400000" scaled="0"/>
-            <a:tileRect/>
-          </a:gradFill>
-          <a:ln>
-            <a:noFill/>
-          </a:ln>
-        </p:spPr>
-        <p:style>
-          <a:lnRef idx="2">
-            <a:schemeClr val="accent1">
-              <a:shade val="50000"/>
-            </a:schemeClr>
-          </a:lnRef>
-          <a:fillRef idx="1">
-            <a:schemeClr val="accent1"/>
-          </a:fillRef>
-          <a:effectRef idx="0">
-            <a:schemeClr val="accent1"/>
-          </a:effectRef>
-          <a:fontRef idx="minor">
-            <a:schemeClr val="lt1"/>
-          </a:fontRef>
-        </p:style>
-        <p:txBody>
-          <a:bodyPr rtlCol="0" anchor="ctr"/>
-          <a:lstStyle/>
-          <a:p>
-            <a:pPr algn="ctr"/>
-            <a:endParaRPr lang="en-US"/>
-          </a:p>
-        </p:txBody>
-      </p:sp>
+              </a:innerShdw>
+            </a:effectLst>
+          </p:spPr>
+          <p:style>
+            <a:lnRef idx="2">
+              <a:schemeClr val="accent1">
+                <a:shade val="50000"/>
+              </a:schemeClr>
+            </a:lnRef>
+            <a:fillRef idx="1">
+              <a:schemeClr val="accent1"/>
+            </a:fillRef>
+            <a:effectRef idx="0">
+              <a:schemeClr val="accent1"/>
+            </a:effectRef>
+            <a:fontRef idx="minor">
+              <a:schemeClr val="lt1"/>
+            </a:fontRef>
+          </p:style>
+          <p:txBody>
+            <a:bodyPr rot="0" spcFirstLastPara="0" vertOverflow="overflow" horzOverflow="overflow" vert="horz" wrap="square" lIns="91440" tIns="45720" rIns="91440" bIns="45720" numCol="1" spcCol="0" rtlCol="0" fromWordArt="0" anchor="ctr" anchorCtr="0" forceAA="0" compatLnSpc="1">
+              <a:prstTxWarp prst="textNoShape">
+                <a:avLst/>
+              </a:prstTxWarp>
+              <a:noAutofit/>
+            </a:bodyPr>
+            <a:lstStyle/>
+            <a:p>
+              <a:pPr algn="ctr"/>
+              <a:endParaRPr lang="en-US"/>
+            </a:p>
+          </p:txBody>
+        </p:sp>
+      </p:grpSp>
       <p:sp>
         <p:nvSpPr>
-          <p:cNvPr id="3" name="Content Placeholder 2">
+          <p:cNvPr id="7" name="Title 6">
             <a:extLst>
               <a:ext uri="{FF2B5EF4-FFF2-40B4-BE49-F238E27FC236}">
-                <a16:creationId xmlns:a16="http://schemas.microsoft.com/office/drawing/2014/main" id="{B4C33F67-96DE-0D4B-9102-267EA8BB290B}"/>
+                <a16:creationId xmlns:a16="http://schemas.microsoft.com/office/drawing/2014/main" id="{5BFD82EF-2B14-B44B-BE71-9C4ED1A1DF98}"/>
               </a:ext>
             </a:extLst>
           </p:cNvPr>
@@ -9737,18 +9999,574 @@
             <a:spLocks noGrp="1"/>
           </p:cNvSpPr>
           <p:nvPr>
+            <p:ph type="title"/>
+          </p:nvPr>
+        </p:nvSpPr>
+        <p:spPr>
+          <a:xfrm>
+            <a:off x="550864" y="549275"/>
+            <a:ext cx="3565524" cy="3034657"/>
+          </a:xfrm>
+        </p:spPr>
+        <p:txBody>
+          <a:bodyPr vert="horz" wrap="square" lIns="0" tIns="0" rIns="0" bIns="0" rtlCol="0" anchor="b" anchorCtr="0">
+            <a:normAutofit/>
+          </a:bodyPr>
+          <a:lstStyle/>
+          <a:p>
+            <a:r>
+              <a:rPr lang="en-US" sz="3400"/>
+              <a:t>How To launch aws ec2 insatance from csv input using boto3 python</a:t>
+            </a:r>
+            <a:br>
+              <a:rPr lang="en-US" sz="3400"/>
+            </a:br>
+            <a:endParaRPr lang="en-US" sz="3400"/>
+          </a:p>
+        </p:txBody>
+      </p:sp>
+      <p:grpSp>
+        <p:nvGrpSpPr>
+          <p:cNvPr id="136" name="Group 135">
+            <a:extLst>
+              <a:ext uri="{FF2B5EF4-FFF2-40B4-BE49-F238E27FC236}">
+                <a16:creationId xmlns:a16="http://schemas.microsoft.com/office/drawing/2014/main" id="{4B158E9A-DBF4-4AA7-B6B7-8C8EB2FBDD68}"/>
+              </a:ext>
+              <a:ext uri="{C183D7F6-B498-43B3-948B-1728B52AA6E4}">
+                <adec:decorative xmlns:adec="http://schemas.microsoft.com/office/drawing/2017/decorative" val="1"/>
+              </a:ext>
+            </a:extLst>
+          </p:cNvPr>
+          <p:cNvGrpSpPr>
+            <a:grpSpLocks noGrp="1" noUngrp="1" noRot="1" noChangeAspect="1" noMove="1" noResize="1"/>
+          </p:cNvGrpSpPr>
+          <p:nvPr>
+            <p:extLst>
+              <p:ext uri="{386F3935-93C4-4BCD-93E2-E3B085C9AB24}">
+                <p16:designElem xmlns:p16="http://schemas.microsoft.com/office/powerpoint/2015/main" val="1"/>
+              </p:ext>
+            </p:extLst>
+          </p:nvPr>
+        </p:nvGrpSpPr>
+        <p:grpSpPr>
+          <a:xfrm>
+            <a:off x="2125249" y="5435090"/>
+            <a:ext cx="762805" cy="734873"/>
+            <a:chOff x="7950336" y="1300590"/>
+            <a:chExt cx="762805" cy="734873"/>
+          </a:xfrm>
+        </p:grpSpPr>
+        <p:sp>
+          <p:nvSpPr>
+            <p:cNvPr id="137" name="Freeform 5">
+              <a:extLst>
+                <a:ext uri="{FF2B5EF4-FFF2-40B4-BE49-F238E27FC236}">
+                  <a16:creationId xmlns:a16="http://schemas.microsoft.com/office/drawing/2014/main" id="{6150ACFD-AEC6-42A3-A5A7-E7AD6B13E03E}"/>
+                </a:ext>
+                <a:ext uri="{C183D7F6-B498-43B3-948B-1728B52AA6E4}">
+                  <adec:decorative xmlns:adec="http://schemas.microsoft.com/office/drawing/2017/decorative" val="1"/>
+                </a:ext>
+              </a:extLst>
+            </p:cNvPr>
+            <p:cNvSpPr>
+              <a:spLocks/>
+            </p:cNvSpPr>
+            <p:nvPr>
+              <p:extLst>
+                <p:ext uri="{386F3935-93C4-4BCD-93E2-E3B085C9AB24}">
+                  <p16:designElem xmlns:p16="http://schemas.microsoft.com/office/powerpoint/2015/main" val="1"/>
+                </p:ext>
+              </p:extLst>
+            </p:nvPr>
+          </p:nvSpPr>
+          <p:spPr bwMode="auto">
+            <a:xfrm rot="3600000">
+              <a:off x="8220298" y="1428832"/>
+              <a:ext cx="621086" cy="364601"/>
+            </a:xfrm>
+            <a:custGeom>
+              <a:avLst/>
+              <a:gdLst>
+                <a:gd name="T0" fmla="*/ 266 w 540"/>
+                <a:gd name="T1" fmla="*/ 0 h 317"/>
+                <a:gd name="T2" fmla="*/ 0 w 540"/>
+                <a:gd name="T3" fmla="*/ 158 h 317"/>
+                <a:gd name="T4" fmla="*/ 266 w 540"/>
+                <a:gd name="T5" fmla="*/ 317 h 317"/>
+                <a:gd name="T6" fmla="*/ 540 w 540"/>
+                <a:gd name="T7" fmla="*/ 158 h 317"/>
+                <a:gd name="T8" fmla="*/ 266 w 540"/>
+                <a:gd name="T9" fmla="*/ 0 h 317"/>
+              </a:gdLst>
+              <a:ahLst/>
+              <a:cxnLst>
+                <a:cxn ang="0">
+                  <a:pos x="T0" y="T1"/>
+                </a:cxn>
+                <a:cxn ang="0">
+                  <a:pos x="T2" y="T3"/>
+                </a:cxn>
+                <a:cxn ang="0">
+                  <a:pos x="T4" y="T5"/>
+                </a:cxn>
+                <a:cxn ang="0">
+                  <a:pos x="T6" y="T7"/>
+                </a:cxn>
+                <a:cxn ang="0">
+                  <a:pos x="T8" y="T9"/>
+                </a:cxn>
+              </a:cxnLst>
+              <a:rect l="0" t="0" r="r" b="b"/>
+              <a:pathLst>
+                <a:path w="540" h="317">
+                  <a:moveTo>
+                    <a:pt x="266" y="0"/>
+                  </a:moveTo>
+                  <a:lnTo>
+                    <a:pt x="0" y="158"/>
+                  </a:lnTo>
+                  <a:lnTo>
+                    <a:pt x="266" y="317"/>
+                  </a:lnTo>
+                  <a:lnTo>
+                    <a:pt x="540" y="158"/>
+                  </a:lnTo>
+                  <a:lnTo>
+                    <a:pt x="266" y="0"/>
+                  </a:lnTo>
+                  <a:close/>
+                </a:path>
+              </a:pathLst>
+            </a:custGeom>
+            <a:gradFill flip="none" rotWithShape="1">
+              <a:gsLst>
+                <a:gs pos="20000">
+                  <a:schemeClr val="bg2">
+                    <a:lumMod val="90000"/>
+                    <a:lumOff val="10000"/>
+                    <a:alpha val="60000"/>
+                  </a:schemeClr>
+                </a:gs>
+                <a:gs pos="100000">
+                  <a:schemeClr val="accent1">
+                    <a:lumMod val="60000"/>
+                    <a:lumOff val="40000"/>
+                    <a:alpha val="60000"/>
+                  </a:schemeClr>
+                </a:gs>
+              </a:gsLst>
+              <a:lin ang="0" scaled="0"/>
+              <a:tileRect/>
+            </a:gradFill>
+            <a:ln>
+              <a:noFill/>
+            </a:ln>
+            <a:effectLst>
+              <a:innerShdw blurRad="254000">
+                <a:schemeClr val="bg2"/>
+              </a:innerShdw>
+            </a:effectLst>
+          </p:spPr>
+          <p:style>
+            <a:lnRef idx="2">
+              <a:schemeClr val="accent1">
+                <a:shade val="50000"/>
+              </a:schemeClr>
+            </a:lnRef>
+            <a:fillRef idx="1">
+              <a:schemeClr val="accent1"/>
+            </a:fillRef>
+            <a:effectRef idx="0">
+              <a:schemeClr val="accent1"/>
+            </a:effectRef>
+            <a:fontRef idx="minor">
+              <a:schemeClr val="lt1"/>
+            </a:fontRef>
+          </p:style>
+          <p:txBody>
+            <a:bodyPr rot="0" spcFirstLastPara="0" vertOverflow="overflow" horzOverflow="overflow" vert="horz" wrap="square" lIns="91440" tIns="45720" rIns="91440" bIns="45720" numCol="1" spcCol="0" rtlCol="0" fromWordArt="0" anchor="ctr" anchorCtr="0" forceAA="0" compatLnSpc="1">
+              <a:prstTxWarp prst="textNoShape">
+                <a:avLst/>
+              </a:prstTxWarp>
+              <a:noAutofit/>
+            </a:bodyPr>
+            <a:lstStyle/>
+            <a:p>
+              <a:pPr algn="ctr"/>
+              <a:endParaRPr lang="en-US"/>
+            </a:p>
+          </p:txBody>
+        </p:sp>
+        <p:sp>
+          <p:nvSpPr>
+            <p:cNvPr id="138" name="Freeform 6">
+              <a:extLst>
+                <a:ext uri="{FF2B5EF4-FFF2-40B4-BE49-F238E27FC236}">
+                  <a16:creationId xmlns:a16="http://schemas.microsoft.com/office/drawing/2014/main" id="{DB4D1217-FEB1-4D2A-80F4-C227B66D72C6}"/>
+                </a:ext>
+                <a:ext uri="{C183D7F6-B498-43B3-948B-1728B52AA6E4}">
+                  <adec:decorative xmlns:adec="http://schemas.microsoft.com/office/drawing/2017/decorative" val="1"/>
+                </a:ext>
+              </a:extLst>
+            </p:cNvPr>
+            <p:cNvSpPr>
+              <a:spLocks/>
+            </p:cNvSpPr>
+            <p:nvPr>
+              <p:extLst>
+                <p:ext uri="{386F3935-93C4-4BCD-93E2-E3B085C9AB24}">
+                  <p16:designElem xmlns:p16="http://schemas.microsoft.com/office/powerpoint/2015/main" val="1"/>
+                </p:ext>
+              </p:extLst>
+            </p:nvPr>
+          </p:nvSpPr>
+          <p:spPr bwMode="auto">
+            <a:xfrm rot="3600000">
+              <a:off x="8066503" y="1339815"/>
+              <a:ext cx="305942" cy="538275"/>
+            </a:xfrm>
+            <a:custGeom>
+              <a:avLst/>
+              <a:gdLst>
+                <a:gd name="T0" fmla="*/ 266 w 266"/>
+                <a:gd name="T1" fmla="*/ 468 h 468"/>
+                <a:gd name="T2" fmla="*/ 0 w 266"/>
+                <a:gd name="T3" fmla="*/ 310 h 468"/>
+                <a:gd name="T4" fmla="*/ 0 w 266"/>
+                <a:gd name="T5" fmla="*/ 310 h 468"/>
+                <a:gd name="T6" fmla="*/ 0 w 266"/>
+                <a:gd name="T7" fmla="*/ 0 h 468"/>
+                <a:gd name="T8" fmla="*/ 0 w 266"/>
+                <a:gd name="T9" fmla="*/ 0 h 468"/>
+                <a:gd name="T10" fmla="*/ 266 w 266"/>
+                <a:gd name="T11" fmla="*/ 159 h 468"/>
+                <a:gd name="T12" fmla="*/ 266 w 266"/>
+                <a:gd name="T13" fmla="*/ 468 h 468"/>
+              </a:gdLst>
+              <a:ahLst/>
+              <a:cxnLst>
+                <a:cxn ang="0">
+                  <a:pos x="T0" y="T1"/>
+                </a:cxn>
+                <a:cxn ang="0">
+                  <a:pos x="T2" y="T3"/>
+                </a:cxn>
+                <a:cxn ang="0">
+                  <a:pos x="T4" y="T5"/>
+                </a:cxn>
+                <a:cxn ang="0">
+                  <a:pos x="T6" y="T7"/>
+                </a:cxn>
+                <a:cxn ang="0">
+                  <a:pos x="T8" y="T9"/>
+                </a:cxn>
+                <a:cxn ang="0">
+                  <a:pos x="T10" y="T11"/>
+                </a:cxn>
+                <a:cxn ang="0">
+                  <a:pos x="T12" y="T13"/>
+                </a:cxn>
+              </a:cxnLst>
+              <a:rect l="0" t="0" r="r" b="b"/>
+              <a:pathLst>
+                <a:path w="266" h="468">
+                  <a:moveTo>
+                    <a:pt x="266" y="468"/>
+                  </a:moveTo>
+                  <a:lnTo>
+                    <a:pt x="0" y="310"/>
+                  </a:lnTo>
+                  <a:lnTo>
+                    <a:pt x="0" y="310"/>
+                  </a:lnTo>
+                  <a:lnTo>
+                    <a:pt x="0" y="0"/>
+                  </a:lnTo>
+                  <a:lnTo>
+                    <a:pt x="0" y="0"/>
+                  </a:lnTo>
+                  <a:lnTo>
+                    <a:pt x="266" y="159"/>
+                  </a:lnTo>
+                  <a:lnTo>
+                    <a:pt x="266" y="468"/>
+                  </a:lnTo>
+                  <a:close/>
+                </a:path>
+              </a:pathLst>
+            </a:custGeom>
+            <a:gradFill flip="none" rotWithShape="1">
+              <a:gsLst>
+                <a:gs pos="20000">
+                  <a:schemeClr val="bg2">
+                    <a:lumMod val="90000"/>
+                    <a:lumOff val="10000"/>
+                    <a:alpha val="60000"/>
+                  </a:schemeClr>
+                </a:gs>
+                <a:gs pos="100000">
+                  <a:schemeClr val="accent1">
+                    <a:lumMod val="60000"/>
+                    <a:lumOff val="40000"/>
+                  </a:schemeClr>
+                </a:gs>
+              </a:gsLst>
+              <a:lin ang="18000000" scaled="0"/>
+              <a:tileRect/>
+            </a:gradFill>
+            <a:ln>
+              <a:noFill/>
+            </a:ln>
+            <a:effectLst>
+              <a:innerShdw blurRad="254000">
+                <a:schemeClr val="bg2">
+                  <a:lumMod val="90000"/>
+                  <a:lumOff val="10000"/>
+                </a:schemeClr>
+              </a:innerShdw>
+            </a:effectLst>
+          </p:spPr>
+          <p:style>
+            <a:lnRef idx="2">
+              <a:schemeClr val="accent1">
+                <a:shade val="50000"/>
+              </a:schemeClr>
+            </a:lnRef>
+            <a:fillRef idx="1">
+              <a:schemeClr val="accent1"/>
+            </a:fillRef>
+            <a:effectRef idx="0">
+              <a:schemeClr val="accent1"/>
+            </a:effectRef>
+            <a:fontRef idx="minor">
+              <a:schemeClr val="lt1"/>
+            </a:fontRef>
+          </p:style>
+          <p:txBody>
+            <a:bodyPr rot="0" spcFirstLastPara="0" vertOverflow="overflow" horzOverflow="overflow" vert="horz" wrap="square" lIns="91440" tIns="45720" rIns="91440" bIns="45720" numCol="1" spcCol="0" rtlCol="0" fromWordArt="0" anchor="ctr" anchorCtr="0" forceAA="0" compatLnSpc="1">
+              <a:prstTxWarp prst="textNoShape">
+                <a:avLst/>
+              </a:prstTxWarp>
+              <a:noAutofit/>
+            </a:bodyPr>
+            <a:lstStyle/>
+            <a:p>
+              <a:pPr algn="ctr"/>
+              <a:endParaRPr lang="en-US"/>
+            </a:p>
+          </p:txBody>
+        </p:sp>
+        <p:sp>
+          <p:nvSpPr>
+            <p:cNvPr id="139" name="Freeform 8">
+              <a:extLst>
+                <a:ext uri="{FF2B5EF4-FFF2-40B4-BE49-F238E27FC236}">
+                  <a16:creationId xmlns:a16="http://schemas.microsoft.com/office/drawing/2014/main" id="{0BCA7138-22BA-4785-8B3D-9D45213E85C9}"/>
+                </a:ext>
+                <a:ext uri="{C183D7F6-B498-43B3-948B-1728B52AA6E4}">
+                  <adec:decorative xmlns:adec="http://schemas.microsoft.com/office/drawing/2017/decorative" val="1"/>
+                </a:ext>
+              </a:extLst>
+            </p:cNvPr>
+            <p:cNvSpPr>
+              <a:spLocks/>
+            </p:cNvSpPr>
+            <p:nvPr>
+              <p:extLst>
+                <p:ext uri="{386F3935-93C4-4BCD-93E2-E3B085C9AB24}">
+                  <p16:designElem xmlns:p16="http://schemas.microsoft.com/office/powerpoint/2015/main" val="1"/>
+                </p:ext>
+              </p:extLst>
+            </p:nvPr>
+          </p:nvSpPr>
+          <p:spPr bwMode="auto">
+            <a:xfrm rot="3600000">
+              <a:off x="8217173" y="1608753"/>
+              <a:ext cx="315144" cy="538275"/>
+            </a:xfrm>
+            <a:custGeom>
+              <a:avLst/>
+              <a:gdLst>
+                <a:gd name="T0" fmla="*/ 274 w 274"/>
+                <a:gd name="T1" fmla="*/ 0 h 468"/>
+                <a:gd name="T2" fmla="*/ 274 w 274"/>
+                <a:gd name="T3" fmla="*/ 310 h 468"/>
+                <a:gd name="T4" fmla="*/ 274 w 274"/>
+                <a:gd name="T5" fmla="*/ 310 h 468"/>
+                <a:gd name="T6" fmla="*/ 0 w 274"/>
+                <a:gd name="T7" fmla="*/ 468 h 468"/>
+                <a:gd name="T8" fmla="*/ 0 w 274"/>
+                <a:gd name="T9" fmla="*/ 159 h 468"/>
+                <a:gd name="T10" fmla="*/ 274 w 274"/>
+                <a:gd name="T11" fmla="*/ 0 h 468"/>
+                <a:gd name="T12" fmla="*/ 274 w 274"/>
+                <a:gd name="T13" fmla="*/ 0 h 468"/>
+              </a:gdLst>
+              <a:ahLst/>
+              <a:cxnLst>
+                <a:cxn ang="0">
+                  <a:pos x="T0" y="T1"/>
+                </a:cxn>
+                <a:cxn ang="0">
+                  <a:pos x="T2" y="T3"/>
+                </a:cxn>
+                <a:cxn ang="0">
+                  <a:pos x="T4" y="T5"/>
+                </a:cxn>
+                <a:cxn ang="0">
+                  <a:pos x="T6" y="T7"/>
+                </a:cxn>
+                <a:cxn ang="0">
+                  <a:pos x="T8" y="T9"/>
+                </a:cxn>
+                <a:cxn ang="0">
+                  <a:pos x="T10" y="T11"/>
+                </a:cxn>
+                <a:cxn ang="0">
+                  <a:pos x="T12" y="T13"/>
+                </a:cxn>
+              </a:cxnLst>
+              <a:rect l="0" t="0" r="r" b="b"/>
+              <a:pathLst>
+                <a:path w="274" h="468">
+                  <a:moveTo>
+                    <a:pt x="274" y="0"/>
+                  </a:moveTo>
+                  <a:lnTo>
+                    <a:pt x="274" y="310"/>
+                  </a:lnTo>
+                  <a:lnTo>
+                    <a:pt x="274" y="310"/>
+                  </a:lnTo>
+                  <a:lnTo>
+                    <a:pt x="0" y="468"/>
+                  </a:lnTo>
+                  <a:lnTo>
+                    <a:pt x="0" y="159"/>
+                  </a:lnTo>
+                  <a:lnTo>
+                    <a:pt x="274" y="0"/>
+                  </a:lnTo>
+                  <a:lnTo>
+                    <a:pt x="274" y="0"/>
+                  </a:lnTo>
+                  <a:close/>
+                </a:path>
+              </a:pathLst>
+            </a:custGeom>
+            <a:gradFill flip="none" rotWithShape="1">
+              <a:gsLst>
+                <a:gs pos="20000">
+                  <a:schemeClr val="bg2">
+                    <a:lumMod val="90000"/>
+                    <a:lumOff val="10000"/>
+                    <a:alpha val="60000"/>
+                  </a:schemeClr>
+                </a:gs>
+                <a:gs pos="100000">
+                  <a:schemeClr val="accent1">
+                    <a:lumMod val="60000"/>
+                    <a:lumOff val="40000"/>
+                    <a:alpha val="60000"/>
+                  </a:schemeClr>
+                </a:gs>
+              </a:gsLst>
+              <a:lin ang="18000000" scaled="0"/>
+              <a:tileRect/>
+            </a:gradFill>
+            <a:ln>
+              <a:noFill/>
+            </a:ln>
+            <a:effectLst>
+              <a:innerShdw blurRad="508000">
+                <a:schemeClr val="bg2"/>
+              </a:innerShdw>
+            </a:effectLst>
+          </p:spPr>
+          <p:style>
+            <a:lnRef idx="2">
+              <a:schemeClr val="accent1">
+                <a:shade val="50000"/>
+              </a:schemeClr>
+            </a:lnRef>
+            <a:fillRef idx="1">
+              <a:schemeClr val="accent1"/>
+            </a:fillRef>
+            <a:effectRef idx="0">
+              <a:schemeClr val="accent1"/>
+            </a:effectRef>
+            <a:fontRef idx="minor">
+              <a:schemeClr val="lt1"/>
+            </a:fontRef>
+          </p:style>
+          <p:txBody>
+            <a:bodyPr rot="0" spcFirstLastPara="0" vertOverflow="overflow" horzOverflow="overflow" vert="horz" wrap="square" lIns="91440" tIns="45720" rIns="91440" bIns="45720" numCol="1" spcCol="0" rtlCol="0" fromWordArt="0" anchor="ctr" anchorCtr="0" forceAA="0" compatLnSpc="1">
+              <a:prstTxWarp prst="textNoShape">
+                <a:avLst/>
+              </a:prstTxWarp>
+              <a:noAutofit/>
+            </a:bodyPr>
+            <a:lstStyle/>
+            <a:p>
+              <a:pPr algn="ctr"/>
+              <a:endParaRPr lang="en-US"/>
+            </a:p>
+          </p:txBody>
+        </p:sp>
+      </p:grpSp>
+      <p:pic>
+        <p:nvPicPr>
+          <p:cNvPr id="4" name="Content Placeholder 3" descr="A picture containing text&#10;&#10;Description automatically generated">
+            <a:extLst>
+              <a:ext uri="{FF2B5EF4-FFF2-40B4-BE49-F238E27FC236}">
+                <a16:creationId xmlns:a16="http://schemas.microsoft.com/office/drawing/2014/main" id="{F5E1BDA6-B8C2-1A42-9C8A-03CEC35046E6}"/>
+              </a:ext>
+            </a:extLst>
+          </p:cNvPr>
+          <p:cNvPicPr>
+            <a:picLocks noGrp="1" noChangeAspect="1"/>
+          </p:cNvPicPr>
+          <p:nvPr>
             <p:ph idx="1"/>
           </p:nvPr>
-        </p:nvSpPr>
-        <p:spPr/>
-        <p:txBody>
-          <a:bodyPr/>
-          <a:lstStyle/>
-          <a:p>
-            <a:endParaRPr lang="en-DE" dirty="0"/>
-          </a:p>
-        </p:txBody>
-      </p:sp>
+        </p:nvPicPr>
+        <p:blipFill>
+          <a:blip r:embed="rId2"/>
+          <a:stretch>
+            <a:fillRect/>
+          </a:stretch>
+        </p:blipFill>
+        <p:spPr>
+          <a:xfrm>
+            <a:off x="4333734" y="549275"/>
+            <a:ext cx="7269446" cy="5761037"/>
+          </a:xfrm>
+          <a:custGeom>
+            <a:avLst/>
+            <a:gdLst/>
+            <a:ahLst/>
+            <a:cxnLst/>
+            <a:rect l="l" t="t" r="r" b="b"/>
+            <a:pathLst>
+              <a:path w="7345363" h="5761037">
+                <a:moveTo>
+                  <a:pt x="0" y="0"/>
+                </a:moveTo>
+                <a:lnTo>
+                  <a:pt x="7345363" y="0"/>
+                </a:lnTo>
+                <a:lnTo>
+                  <a:pt x="7345363" y="5761037"/>
+                </a:lnTo>
+                <a:lnTo>
+                  <a:pt x="0" y="5761037"/>
+                </a:lnTo>
+                <a:close/>
+              </a:path>
+            </a:pathLst>
+          </a:custGeom>
+        </p:spPr>
+      </p:pic>
     </p:spTree>
     <p:extLst>
       <p:ext uri="{BB962C8B-B14F-4D97-AF65-F5344CB8AC3E}">
